--- a/docs/diagrams/FindMedicine.pptx
+++ b/docs/diagrams/FindMedicine.pptx
@@ -3277,7 +3277,7 @@
               <a:t>s</a:t>
             </a:r>
             <a:r>
-              <a:rPr lang="fr-FR" smtClean="0">
+              <a:rPr lang="fr-FR" dirty="0" err="1" smtClean="0">
                 <a:solidFill>
                   <a:schemeClr val="bg1"/>
                 </a:solidFill>

--- a/docs/diagrams/FindMedicine.pptx
+++ b/docs/diagrams/FindMedicine.pptx
@@ -7,6 +7,7 @@
   <p:sldIdLst>
     <p:sldId id="256" r:id="rId2"/>
     <p:sldId id="257" r:id="rId3"/>
+    <p:sldId id="258" r:id="rId4"/>
   </p:sldIdLst>
   <p:sldSz cx="12192000" cy="6858000"/>
   <p:notesSz cx="6858000" cy="9144000"/>
@@ -105,6 +106,11 @@
       </a:defRPr>
     </a:lvl9pPr>
   </p:defaultTextStyle>
+  <p:extLst>
+    <p:ext uri="{EFAFB233-063F-42B5-8137-9DF3F51BA10A}">
+      <p15:sldGuideLst xmlns:p15="http://schemas.microsoft.com/office/powerpoint/2012/main"/>
+    </p:ext>
+  </p:extLst>
 </p:presentation>
 </file>
 
@@ -239,7 +245,7 @@
           <a:p>
             <a:fld id="{2E081889-FB84-4CE6-AD1B-B6B01A1C3D3F}" type="datetimeFigureOut">
               <a:rPr lang="en-SG" smtClean="0"/>
-              <a:t>7/11/2018</a:t>
+              <a:t>11/11/2018</a:t>
             </a:fld>
             <a:endParaRPr lang="en-SG"/>
           </a:p>
@@ -409,7 +415,7 @@
           <a:p>
             <a:fld id="{2E081889-FB84-4CE6-AD1B-B6B01A1C3D3F}" type="datetimeFigureOut">
               <a:rPr lang="en-SG" smtClean="0"/>
-              <a:t>7/11/2018</a:t>
+              <a:t>11/11/2018</a:t>
             </a:fld>
             <a:endParaRPr lang="en-SG"/>
           </a:p>
@@ -589,7 +595,7 @@
           <a:p>
             <a:fld id="{2E081889-FB84-4CE6-AD1B-B6B01A1C3D3F}" type="datetimeFigureOut">
               <a:rPr lang="en-SG" smtClean="0"/>
-              <a:t>7/11/2018</a:t>
+              <a:t>11/11/2018</a:t>
             </a:fld>
             <a:endParaRPr lang="en-SG"/>
           </a:p>
@@ -759,7 +765,7 @@
           <a:p>
             <a:fld id="{2E081889-FB84-4CE6-AD1B-B6B01A1C3D3F}" type="datetimeFigureOut">
               <a:rPr lang="en-SG" smtClean="0"/>
-              <a:t>7/11/2018</a:t>
+              <a:t>11/11/2018</a:t>
             </a:fld>
             <a:endParaRPr lang="en-SG"/>
           </a:p>
@@ -1005,7 +1011,7 @@
           <a:p>
             <a:fld id="{2E081889-FB84-4CE6-AD1B-B6B01A1C3D3F}" type="datetimeFigureOut">
               <a:rPr lang="en-SG" smtClean="0"/>
-              <a:t>7/11/2018</a:t>
+              <a:t>11/11/2018</a:t>
             </a:fld>
             <a:endParaRPr lang="en-SG"/>
           </a:p>
@@ -1237,7 +1243,7 @@
           <a:p>
             <a:fld id="{2E081889-FB84-4CE6-AD1B-B6B01A1C3D3F}" type="datetimeFigureOut">
               <a:rPr lang="en-SG" smtClean="0"/>
-              <a:t>7/11/2018</a:t>
+              <a:t>11/11/2018</a:t>
             </a:fld>
             <a:endParaRPr lang="en-SG"/>
           </a:p>
@@ -1604,7 +1610,7 @@
           <a:p>
             <a:fld id="{2E081889-FB84-4CE6-AD1B-B6B01A1C3D3F}" type="datetimeFigureOut">
               <a:rPr lang="en-SG" smtClean="0"/>
-              <a:t>7/11/2018</a:t>
+              <a:t>11/11/2018</a:t>
             </a:fld>
             <a:endParaRPr lang="en-SG"/>
           </a:p>
@@ -1722,7 +1728,7 @@
           <a:p>
             <a:fld id="{2E081889-FB84-4CE6-AD1B-B6B01A1C3D3F}" type="datetimeFigureOut">
               <a:rPr lang="en-SG" smtClean="0"/>
-              <a:t>7/11/2018</a:t>
+              <a:t>11/11/2018</a:t>
             </a:fld>
             <a:endParaRPr lang="en-SG"/>
           </a:p>
@@ -1817,7 +1823,7 @@
           <a:p>
             <a:fld id="{2E081889-FB84-4CE6-AD1B-B6B01A1C3D3F}" type="datetimeFigureOut">
               <a:rPr lang="en-SG" smtClean="0"/>
-              <a:t>7/11/2018</a:t>
+              <a:t>11/11/2018</a:t>
             </a:fld>
             <a:endParaRPr lang="en-SG"/>
           </a:p>
@@ -2094,7 +2100,7 @@
           <a:p>
             <a:fld id="{2E081889-FB84-4CE6-AD1B-B6B01A1C3D3F}" type="datetimeFigureOut">
               <a:rPr lang="en-SG" smtClean="0"/>
-              <a:t>7/11/2018</a:t>
+              <a:t>11/11/2018</a:t>
             </a:fld>
             <a:endParaRPr lang="en-SG"/>
           </a:p>
@@ -2347,7 +2353,7 @@
           <a:p>
             <a:fld id="{2E081889-FB84-4CE6-AD1B-B6B01A1C3D3F}" type="datetimeFigureOut">
               <a:rPr lang="en-SG" smtClean="0"/>
-              <a:t>7/11/2018</a:t>
+              <a:t>11/11/2018</a:t>
             </a:fld>
             <a:endParaRPr lang="en-SG"/>
           </a:p>
@@ -2560,7 +2566,7 @@
           <a:p>
             <a:fld id="{2E081889-FB84-4CE6-AD1B-B6B01A1C3D3F}" type="datetimeFigureOut">
               <a:rPr lang="en-SG" smtClean="0"/>
-              <a:t>7/11/2018</a:t>
+              <a:t>11/11/2018</a:t>
             </a:fld>
             <a:endParaRPr lang="en-SG"/>
           </a:p>
@@ -3227,15 +3233,7 @@
                   <a:schemeClr val="bg1"/>
                 </a:solidFill>
               </a:rPr>
-              <a:t>"</a:t>
-            </a:r>
-            <a:r>
-              <a:rPr lang="fr-FR" dirty="0" smtClean="0">
-                <a:solidFill>
-                  <a:schemeClr val="bg1"/>
-                </a:solidFill>
-              </a:rPr>
-              <a:t> </a:t>
+              <a:t>" </a:t>
             </a:r>
             <a:r>
               <a:rPr lang="fr-FR" dirty="0" err="1" smtClean="0">
@@ -3356,6 +3354,339 @@
     <p:extLst>
       <p:ext uri="{BB962C8B-B14F-4D97-AF65-F5344CB8AC3E}">
         <p14:creationId xmlns:p14="http://schemas.microsoft.com/office/powerpoint/2010/main" val="1889086392"/>
+      </p:ext>
+    </p:extLst>
+  </p:cSld>
+  <p:clrMapOvr>
+    <a:masterClrMapping/>
+  </p:clrMapOvr>
+</p:sld>
+</file>
+
+<file path=ppt/slides/slide3.xml><?xml version="1.0" encoding="utf-8"?>
+<p:sld xmlns:a="http://schemas.openxmlformats.org/drawingml/2006/main" xmlns:r="http://schemas.openxmlformats.org/officeDocument/2006/relationships" xmlns:p="http://schemas.openxmlformats.org/presentationml/2006/main">
+  <p:cSld>
+    <p:spTree>
+      <p:nvGrpSpPr>
+        <p:cNvPr id="1" name=""/>
+        <p:cNvGrpSpPr/>
+        <p:nvPr/>
+      </p:nvGrpSpPr>
+      <p:grpSpPr>
+        <a:xfrm>
+          <a:off x="0" y="0"/>
+          <a:ext cx="0" cy="0"/>
+          <a:chOff x="0" y="0"/>
+          <a:chExt cx="0" cy="0"/>
+        </a:xfrm>
+      </p:grpSpPr>
+      <p:pic>
+        <p:nvPicPr>
+          <p:cNvPr id="4" name="Picture 3"/>
+          <p:cNvPicPr>
+            <a:picLocks noChangeAspect="1"/>
+          </p:cNvPicPr>
+          <p:nvPr/>
+        </p:nvPicPr>
+        <p:blipFill rotWithShape="1">
+          <a:blip r:embed="rId2"/>
+          <a:srcRect t="3687" b="5156"/>
+          <a:stretch/>
+        </p:blipFill>
+        <p:spPr>
+          <a:xfrm>
+            <a:off x="0" y="0"/>
+            <a:ext cx="12192000" cy="6858000"/>
+          </a:xfrm>
+          <a:prstGeom prst="rect">
+            <a:avLst/>
+          </a:prstGeom>
+        </p:spPr>
+      </p:pic>
+      <p:sp>
+        <p:nvSpPr>
+          <p:cNvPr id="5" name="Rounded Rectangle 4"/>
+          <p:cNvSpPr/>
+          <p:nvPr/>
+        </p:nvSpPr>
+        <p:spPr>
+          <a:xfrm>
+            <a:off x="147782" y="1847273"/>
+            <a:ext cx="11933382" cy="480290"/>
+          </a:xfrm>
+          <a:prstGeom prst="roundRect">
+            <a:avLst/>
+          </a:prstGeom>
+          <a:noFill/>
+          <a:ln w="28575">
+            <a:solidFill>
+              <a:srgbClr val="FF0000"/>
+            </a:solidFill>
+          </a:ln>
+        </p:spPr>
+        <p:style>
+          <a:lnRef idx="2">
+            <a:schemeClr val="accent1">
+              <a:shade val="50000"/>
+            </a:schemeClr>
+          </a:lnRef>
+          <a:fillRef idx="1">
+            <a:schemeClr val="accent1"/>
+          </a:fillRef>
+          <a:effectRef idx="0">
+            <a:schemeClr val="accent1"/>
+          </a:effectRef>
+          <a:fontRef idx="minor">
+            <a:schemeClr val="lt1"/>
+          </a:fontRef>
+        </p:style>
+        <p:txBody>
+          <a:bodyPr rtlCol="0" anchor="ctr"/>
+          <a:lstStyle/>
+          <a:p>
+            <a:pPr algn="ctr"/>
+            <a:endParaRPr lang="en-SG"/>
+          </a:p>
+        </p:txBody>
+      </p:sp>
+      <p:sp>
+        <p:nvSpPr>
+          <p:cNvPr id="6" name="Rounded Rectangle 5"/>
+          <p:cNvSpPr/>
+          <p:nvPr/>
+        </p:nvSpPr>
+        <p:spPr>
+          <a:xfrm>
+            <a:off x="138546" y="3428999"/>
+            <a:ext cx="2992582" cy="2999509"/>
+          </a:xfrm>
+          <a:prstGeom prst="roundRect">
+            <a:avLst>
+              <a:gd name="adj" fmla="val 7099"/>
+            </a:avLst>
+          </a:prstGeom>
+          <a:noFill/>
+          <a:ln w="28575">
+            <a:solidFill>
+              <a:srgbClr val="FF0000"/>
+            </a:solidFill>
+          </a:ln>
+        </p:spPr>
+        <p:style>
+          <a:lnRef idx="2">
+            <a:schemeClr val="accent1">
+              <a:shade val="50000"/>
+            </a:schemeClr>
+          </a:lnRef>
+          <a:fillRef idx="1">
+            <a:schemeClr val="accent1"/>
+          </a:fillRef>
+          <a:effectRef idx="0">
+            <a:schemeClr val="accent1"/>
+          </a:effectRef>
+          <a:fontRef idx="minor">
+            <a:schemeClr val="lt1"/>
+          </a:fontRef>
+        </p:style>
+        <p:txBody>
+          <a:bodyPr rtlCol="0" anchor="ctr"/>
+          <a:lstStyle/>
+          <a:p>
+            <a:pPr algn="ctr"/>
+            <a:endParaRPr lang="en-SG"/>
+          </a:p>
+        </p:txBody>
+      </p:sp>
+      <p:sp>
+        <p:nvSpPr>
+          <p:cNvPr id="7" name="TextBox 6"/>
+          <p:cNvSpPr txBox="1"/>
+          <p:nvPr/>
+        </p:nvSpPr>
+        <p:spPr>
+          <a:xfrm>
+            <a:off x="4424218" y="3805488"/>
+            <a:ext cx="5725414" cy="646331"/>
+          </a:xfrm>
+          <a:prstGeom prst="rect">
+            <a:avLst/>
+          </a:prstGeom>
+          <a:noFill/>
+        </p:spPr>
+        <p:txBody>
+          <a:bodyPr wrap="none" rtlCol="0">
+            <a:spAutoFit/>
+          </a:bodyPr>
+          <a:lstStyle/>
+          <a:p>
+            <a:r>
+              <a:rPr lang="en-SG" dirty="0" smtClean="0">
+                <a:solidFill>
+                  <a:schemeClr val="bg1"/>
+                </a:solidFill>
+              </a:rPr>
+              <a:t>2. All the medicines with names “</a:t>
+            </a:r>
+            <a:r>
+              <a:rPr lang="en-SG" dirty="0" err="1" smtClean="0">
+                <a:solidFill>
+                  <a:schemeClr val="bg1"/>
+                </a:solidFill>
+              </a:rPr>
+              <a:t>panadol</a:t>
+            </a:r>
+            <a:r>
+              <a:rPr lang="en-SG" dirty="0" smtClean="0">
+                <a:solidFill>
+                  <a:schemeClr val="bg1"/>
+                </a:solidFill>
+              </a:rPr>
+              <a:t>” or “</a:t>
+            </a:r>
+            <a:r>
+              <a:rPr lang="en-SG" dirty="0" err="1" smtClean="0">
+                <a:solidFill>
+                  <a:schemeClr val="bg1"/>
+                </a:solidFill>
+              </a:rPr>
+              <a:t>dermasone</a:t>
+            </a:r>
+            <a:r>
+              <a:rPr lang="en-SG" dirty="0" smtClean="0">
+                <a:solidFill>
+                  <a:schemeClr val="bg1"/>
+                </a:solidFill>
+              </a:rPr>
+              <a:t>”</a:t>
+            </a:r>
+          </a:p>
+          <a:p>
+            <a:r>
+              <a:rPr lang="en-SG" dirty="0">
+                <a:solidFill>
+                  <a:schemeClr val="bg1"/>
+                </a:solidFill>
+              </a:rPr>
+              <a:t>w</a:t>
+            </a:r>
+            <a:r>
+              <a:rPr lang="en-SG" dirty="0" smtClean="0">
+                <a:solidFill>
+                  <a:schemeClr val="bg1"/>
+                </a:solidFill>
+              </a:rPr>
+              <a:t>ill appear in the medicine panel.</a:t>
+            </a:r>
+            <a:endParaRPr lang="en-SG" dirty="0">
+              <a:solidFill>
+                <a:schemeClr val="bg1"/>
+              </a:solidFill>
+            </a:endParaRPr>
+          </a:p>
+        </p:txBody>
+      </p:sp>
+      <p:cxnSp>
+        <p:nvCxnSpPr>
+          <p:cNvPr id="8" name="Straight Arrow Connector 7"/>
+          <p:cNvCxnSpPr/>
+          <p:nvPr/>
+        </p:nvCxnSpPr>
+        <p:spPr>
+          <a:xfrm flipH="1">
+            <a:off x="1690254" y="4128654"/>
+            <a:ext cx="2733964" cy="0"/>
+          </a:xfrm>
+          <a:prstGeom prst="straightConnector1">
+            <a:avLst/>
+          </a:prstGeom>
+          <a:ln w="38100">
+            <a:solidFill>
+              <a:schemeClr val="bg1"/>
+            </a:solidFill>
+            <a:tailEnd type="triangle"/>
+          </a:ln>
+        </p:spPr>
+        <p:style>
+          <a:lnRef idx="1">
+            <a:schemeClr val="accent1"/>
+          </a:lnRef>
+          <a:fillRef idx="0">
+            <a:schemeClr val="accent1"/>
+          </a:fillRef>
+          <a:effectRef idx="0">
+            <a:schemeClr val="accent1"/>
+          </a:effectRef>
+          <a:fontRef idx="minor">
+            <a:schemeClr val="tx1"/>
+          </a:fontRef>
+        </p:style>
+      </p:cxnSp>
+      <p:sp>
+        <p:nvSpPr>
+          <p:cNvPr id="9" name="TextBox 8"/>
+          <p:cNvSpPr txBox="1"/>
+          <p:nvPr/>
+        </p:nvSpPr>
+        <p:spPr>
+          <a:xfrm>
+            <a:off x="3440545" y="1828801"/>
+            <a:ext cx="5925468" cy="369332"/>
+          </a:xfrm>
+          <a:prstGeom prst="rect">
+            <a:avLst/>
+          </a:prstGeom>
+          <a:noFill/>
+        </p:spPr>
+        <p:txBody>
+          <a:bodyPr wrap="none" rtlCol="0">
+            <a:spAutoFit/>
+          </a:bodyPr>
+          <a:lstStyle/>
+          <a:p>
+            <a:r>
+              <a:rPr lang="en-SG" dirty="0" smtClean="0">
+                <a:solidFill>
+                  <a:schemeClr val="bg1"/>
+                </a:solidFill>
+              </a:rPr>
+              <a:t>1. </a:t>
+            </a:r>
+            <a:r>
+              <a:rPr lang="en-SG" dirty="0" smtClean="0">
+                <a:solidFill>
+                  <a:schemeClr val="bg1"/>
+                </a:solidFill>
+              </a:rPr>
+              <a:t>Type the </a:t>
+            </a:r>
+            <a:r>
+              <a:rPr lang="en-SG" dirty="0" err="1" smtClean="0">
+                <a:solidFill>
+                  <a:schemeClr val="bg1"/>
+                </a:solidFill>
+              </a:rPr>
+              <a:t>findmedicine</a:t>
+            </a:r>
+            <a:r>
+              <a:rPr lang="en-SG" dirty="0" smtClean="0">
+                <a:solidFill>
+                  <a:schemeClr val="bg1"/>
+                </a:solidFill>
+              </a:rPr>
+              <a:t> command with the medicine names.</a:t>
+            </a:r>
+            <a:endParaRPr lang="en-SG" dirty="0">
+              <a:solidFill>
+                <a:schemeClr val="bg1"/>
+              </a:solidFill>
+            </a:endParaRPr>
+          </a:p>
+        </p:txBody>
+      </p:sp>
+    </p:spTree>
+    <p:extLst>
+      <p:ext uri="{BB962C8B-B14F-4D97-AF65-F5344CB8AC3E}">
+        <p14:creationId xmlns:p14="http://schemas.microsoft.com/office/powerpoint/2010/main" val="146975851"/>
       </p:ext>
     </p:extLst>
   </p:cSld>

--- a/docs/diagrams/FindMedicine.pptx
+++ b/docs/diagrams/FindMedicine.pptx
@@ -245,7 +245,7 @@
           <a:p>
             <a:fld id="{2E081889-FB84-4CE6-AD1B-B6B01A1C3D3F}" type="datetimeFigureOut">
               <a:rPr lang="en-SG" smtClean="0"/>
-              <a:t>11/11/2018</a:t>
+              <a:t>12/11/2018</a:t>
             </a:fld>
             <a:endParaRPr lang="en-SG"/>
           </a:p>
@@ -415,7 +415,7 @@
           <a:p>
             <a:fld id="{2E081889-FB84-4CE6-AD1B-B6B01A1C3D3F}" type="datetimeFigureOut">
               <a:rPr lang="en-SG" smtClean="0"/>
-              <a:t>11/11/2018</a:t>
+              <a:t>12/11/2018</a:t>
             </a:fld>
             <a:endParaRPr lang="en-SG"/>
           </a:p>
@@ -595,7 +595,7 @@
           <a:p>
             <a:fld id="{2E081889-FB84-4CE6-AD1B-B6B01A1C3D3F}" type="datetimeFigureOut">
               <a:rPr lang="en-SG" smtClean="0"/>
-              <a:t>11/11/2018</a:t>
+              <a:t>12/11/2018</a:t>
             </a:fld>
             <a:endParaRPr lang="en-SG"/>
           </a:p>
@@ -765,7 +765,7 @@
           <a:p>
             <a:fld id="{2E081889-FB84-4CE6-AD1B-B6B01A1C3D3F}" type="datetimeFigureOut">
               <a:rPr lang="en-SG" smtClean="0"/>
-              <a:t>11/11/2018</a:t>
+              <a:t>12/11/2018</a:t>
             </a:fld>
             <a:endParaRPr lang="en-SG"/>
           </a:p>
@@ -1011,7 +1011,7 @@
           <a:p>
             <a:fld id="{2E081889-FB84-4CE6-AD1B-B6B01A1C3D3F}" type="datetimeFigureOut">
               <a:rPr lang="en-SG" smtClean="0"/>
-              <a:t>11/11/2018</a:t>
+              <a:t>12/11/2018</a:t>
             </a:fld>
             <a:endParaRPr lang="en-SG"/>
           </a:p>
@@ -1243,7 +1243,7 @@
           <a:p>
             <a:fld id="{2E081889-FB84-4CE6-AD1B-B6B01A1C3D3F}" type="datetimeFigureOut">
               <a:rPr lang="en-SG" smtClean="0"/>
-              <a:t>11/11/2018</a:t>
+              <a:t>12/11/2018</a:t>
             </a:fld>
             <a:endParaRPr lang="en-SG"/>
           </a:p>
@@ -1610,7 +1610,7 @@
           <a:p>
             <a:fld id="{2E081889-FB84-4CE6-AD1B-B6B01A1C3D3F}" type="datetimeFigureOut">
               <a:rPr lang="en-SG" smtClean="0"/>
-              <a:t>11/11/2018</a:t>
+              <a:t>12/11/2018</a:t>
             </a:fld>
             <a:endParaRPr lang="en-SG"/>
           </a:p>
@@ -1728,7 +1728,7 @@
           <a:p>
             <a:fld id="{2E081889-FB84-4CE6-AD1B-B6B01A1C3D3F}" type="datetimeFigureOut">
               <a:rPr lang="en-SG" smtClean="0"/>
-              <a:t>11/11/2018</a:t>
+              <a:t>12/11/2018</a:t>
             </a:fld>
             <a:endParaRPr lang="en-SG"/>
           </a:p>
@@ -1823,7 +1823,7 @@
           <a:p>
             <a:fld id="{2E081889-FB84-4CE6-AD1B-B6B01A1C3D3F}" type="datetimeFigureOut">
               <a:rPr lang="en-SG" smtClean="0"/>
-              <a:t>11/11/2018</a:t>
+              <a:t>12/11/2018</a:t>
             </a:fld>
             <a:endParaRPr lang="en-SG"/>
           </a:p>
@@ -2100,7 +2100,7 @@
           <a:p>
             <a:fld id="{2E081889-FB84-4CE6-AD1B-B6B01A1C3D3F}" type="datetimeFigureOut">
               <a:rPr lang="en-SG" smtClean="0"/>
-              <a:t>11/11/2018</a:t>
+              <a:t>12/11/2018</a:t>
             </a:fld>
             <a:endParaRPr lang="en-SG"/>
           </a:p>
@@ -2353,7 +2353,7 @@
           <a:p>
             <a:fld id="{2E081889-FB84-4CE6-AD1B-B6B01A1C3D3F}" type="datetimeFigureOut">
               <a:rPr lang="en-SG" smtClean="0"/>
-              <a:t>11/11/2018</a:t>
+              <a:t>12/11/2018</a:t>
             </a:fld>
             <a:endParaRPr lang="en-SG"/>
           </a:p>
@@ -2566,7 +2566,7 @@
           <a:p>
             <a:fld id="{2E081889-FB84-4CE6-AD1B-B6B01A1C3D3F}" type="datetimeFigureOut">
               <a:rPr lang="en-SG" smtClean="0"/>
-              <a:t>11/11/2018</a:t>
+              <a:t>12/11/2018</a:t>
             </a:fld>
             <a:endParaRPr lang="en-SG"/>
           </a:p>
@@ -3506,7 +3506,7 @@
         <p:spPr>
           <a:xfrm>
             <a:off x="4424218" y="3805488"/>
-            <a:ext cx="5725414" cy="646331"/>
+            <a:ext cx="6142900" cy="646331"/>
           </a:xfrm>
           <a:prstGeom prst="rect">
             <a:avLst/>
@@ -3520,12 +3520,20 @@
           <a:lstStyle/>
           <a:p>
             <a:r>
+              <a:rPr lang="en-SG" smtClean="0">
+                <a:solidFill>
+                  <a:schemeClr val="bg1"/>
+                </a:solidFill>
+              </a:rPr>
+              <a:t>Step 2</a:t>
+            </a:r>
+            <a:r>
               <a:rPr lang="en-SG" dirty="0" smtClean="0">
                 <a:solidFill>
                   <a:schemeClr val="bg1"/>
                 </a:solidFill>
               </a:rPr>
-              <a:t>2. All the medicines with names “</a:t>
+              <a:t>. All the medicines with names “</a:t>
             </a:r>
             <a:r>
               <a:rPr lang="en-SG" dirty="0" err="1" smtClean="0">
@@ -3630,7 +3638,7 @@
         <p:spPr>
           <a:xfrm>
             <a:off x="3440545" y="1828801"/>
-            <a:ext cx="5925468" cy="369332"/>
+            <a:ext cx="6400663" cy="369332"/>
           </a:xfrm>
           <a:prstGeom prst="rect">
             <a:avLst/>
@@ -3649,7 +3657,7 @@
                   <a:schemeClr val="bg1"/>
                 </a:solidFill>
               </a:rPr>
-              <a:t>1. </a:t>
+              <a:t>Step 1</a:t>
             </a:r>
             <a:r>
               <a:rPr lang="en-SG" dirty="0" smtClean="0">
@@ -3657,7 +3665,7 @@
                   <a:schemeClr val="bg1"/>
                 </a:solidFill>
               </a:rPr>
-              <a:t>Type the </a:t>
+              <a:t>. Type the </a:t>
             </a:r>
             <a:r>
               <a:rPr lang="en-SG" dirty="0" err="1" smtClean="0">

--- a/docs/diagrams/FindMedicine.pptx
+++ b/docs/diagrams/FindMedicine.pptx
@@ -3382,7 +3382,7 @@
       </p:grpSpPr>
       <p:pic>
         <p:nvPicPr>
-          <p:cNvPr id="4" name="Picture 3"/>
+          <p:cNvPr id="2" name="Picture 1"/>
           <p:cNvPicPr>
             <a:picLocks noChangeAspect="1"/>
           </p:cNvPicPr>
@@ -3390,7 +3390,7 @@
         </p:nvPicPr>
         <p:blipFill rotWithShape="1">
           <a:blip r:embed="rId2"/>
-          <a:srcRect t="3687" b="5156"/>
+          <a:srcRect t="3629" b="5193"/>
           <a:stretch/>
         </p:blipFill>
         <p:spPr>
@@ -3506,7 +3506,7 @@
         <p:spPr>
           <a:xfrm>
             <a:off x="4424218" y="3805488"/>
-            <a:ext cx="6142900" cy="646331"/>
+            <a:ext cx="5683735" cy="646331"/>
           </a:xfrm>
           <a:prstGeom prst="rect">
             <a:avLst/>
@@ -3520,12 +3520,12 @@
           <a:lstStyle/>
           <a:p>
             <a:r>
-              <a:rPr lang="en-SG" smtClean="0">
+              <a:rPr lang="en-SG" dirty="0" smtClean="0">
                 <a:solidFill>
                   <a:schemeClr val="bg1"/>
                 </a:solidFill>
               </a:rPr>
-              <a:t>Step 2</a:t>
+              <a:t>Step 2. All the medicines with names </a:t>
             </a:r>
             <a:r>
               <a:rPr lang="en-SG" dirty="0" smtClean="0">
@@ -3533,7 +3533,39 @@
                   <a:schemeClr val="bg1"/>
                 </a:solidFill>
               </a:rPr>
-              <a:t>. All the medicines with names “</a:t>
+              <a:t>“</a:t>
+            </a:r>
+            <a:r>
+              <a:rPr lang="en-SG" dirty="0" err="1" smtClean="0">
+                <a:solidFill>
+                  <a:schemeClr val="bg1"/>
+                </a:solidFill>
+              </a:rPr>
+              <a:t>telfast</a:t>
+            </a:r>
+            <a:r>
+              <a:rPr lang="en-SG" dirty="0" smtClean="0">
+                <a:solidFill>
+                  <a:schemeClr val="bg1"/>
+                </a:solidFill>
+              </a:rPr>
+              <a:t>” </a:t>
+            </a:r>
+            <a:r>
+              <a:rPr lang="en-SG" dirty="0" smtClean="0">
+                <a:solidFill>
+                  <a:schemeClr val="bg1"/>
+                </a:solidFill>
+              </a:rPr>
+              <a:t>or </a:t>
+            </a:r>
+            <a:r>
+              <a:rPr lang="en-SG" dirty="0" smtClean="0">
+                <a:solidFill>
+                  <a:schemeClr val="bg1"/>
+                </a:solidFill>
+              </a:rPr>
+              <a:t>“</a:t>
             </a:r>
             <a:r>
               <a:rPr lang="en-SG" dirty="0" err="1" smtClean="0">
@@ -3549,41 +3581,17 @@
                   <a:schemeClr val="bg1"/>
                 </a:solidFill>
               </a:rPr>
-              <a:t>” or “</a:t>
-            </a:r>
-            <a:r>
-              <a:rPr lang="en-SG" dirty="0" err="1" smtClean="0">
+              <a:t>”</a:t>
+            </a:r>
+          </a:p>
+          <a:p>
+            <a:r>
+              <a:rPr lang="en-SG" dirty="0" smtClean="0">
                 <a:solidFill>
                   <a:schemeClr val="bg1"/>
                 </a:solidFill>
               </a:rPr>
-              <a:t>dermasone</a:t>
-            </a:r>
-            <a:r>
-              <a:rPr lang="en-SG" dirty="0" smtClean="0">
-                <a:solidFill>
-                  <a:schemeClr val="bg1"/>
-                </a:solidFill>
-              </a:rPr>
-              <a:t>”</a:t>
-            </a:r>
-          </a:p>
-          <a:p>
-            <a:r>
-              <a:rPr lang="en-SG" dirty="0">
-                <a:solidFill>
-                  <a:schemeClr val="bg1"/>
-                </a:solidFill>
-              </a:rPr>
-              <a:t>w</a:t>
-            </a:r>
-            <a:r>
-              <a:rPr lang="en-SG" dirty="0" smtClean="0">
-                <a:solidFill>
-                  <a:schemeClr val="bg1"/>
-                </a:solidFill>
-              </a:rPr>
-              <a:t>ill appear in the medicine panel.</a:t>
+              <a:t>will appear in the medicine panel.</a:t>
             </a:r>
             <a:endParaRPr lang="en-SG" dirty="0">
               <a:solidFill>
@@ -3657,15 +3665,7 @@
                   <a:schemeClr val="bg1"/>
                 </a:solidFill>
               </a:rPr>
-              <a:t>Step 1</a:t>
-            </a:r>
-            <a:r>
-              <a:rPr lang="en-SG" dirty="0" smtClean="0">
-                <a:solidFill>
-                  <a:schemeClr val="bg1"/>
-                </a:solidFill>
-              </a:rPr>
-              <a:t>. Type the </a:t>
+              <a:t>Step 1. Type the </a:t>
             </a:r>
             <a:r>
               <a:rPr lang="en-SG" dirty="0" err="1" smtClean="0">
